--- a/Presentation examen final.pptx
+++ b/Presentation examen final.pptx
@@ -201,6 +201,9 @@
   <p:extLst>
     <p:ext uri="{EFAFB233-063F-42B5-8137-9DF3F51BA10A}">
       <p15:sldGuideLst xmlns:p15="http://schemas.microsoft.com/office/powerpoint/2012/main"/>
+    </p:ext>
+    <p:ext uri="{2D200454-40CA-4A62-9FC3-DE9A4176ACB9}">
+      <p15:notesGuideLst xmlns:p15="http://schemas.microsoft.com/office/powerpoint/2012/main"/>
     </p:ext>
   </p:extLst>
 </p:presentation>
@@ -43234,7 +43237,7 @@
         <p:spPr>
           <a:xfrm>
             <a:off x="1061252" y="3303389"/>
-            <a:ext cx="8198976" cy="369332"/>
+            <a:ext cx="8475910" cy="369332"/>
           </a:xfrm>
           <a:prstGeom prst="rect">
             <a:avLst/>
@@ -43249,7 +43252,7 @@
           <a:p>
             <a:r>
               <a:rPr lang="fr-FR" dirty="0"/>
-              <a:t>Utilisation d’un script JavaScript pour éviter un maximum les rechargements de pages</a:t>
+              <a:t>Utilisation de JavaScript et JQuery pour éviter un maximum les rechargements de pages</a:t>
             </a:r>
           </a:p>
         </p:txBody>
@@ -43327,10 +43330,10 @@
       </p:pic>
       <p:pic>
         <p:nvPicPr>
-          <p:cNvPr id="13" name="Image 12" descr="Une image contenant symbole, Police, jaune, Graphique&#10;&#10;Description générée automatiquement">
-            <a:extLst>
-              <a:ext uri="{FF2B5EF4-FFF2-40B4-BE49-F238E27FC236}">
-                <a16:creationId xmlns:a16="http://schemas.microsoft.com/office/drawing/2014/main" id="{A375B2F7-929E-B290-9268-9B989E526871}"/>
+          <p:cNvPr id="15" name="Image 14" descr="Une image contenant texte, Graphique, Police, capture d’écran&#10;&#10;Description générée automatiquement">
+            <a:extLst>
+              <a:ext uri="{FF2B5EF4-FFF2-40B4-BE49-F238E27FC236}">
+                <a16:creationId xmlns:a16="http://schemas.microsoft.com/office/drawing/2014/main" id="{6CAE0476-C4F2-BADE-0147-978F7CF76558}"/>
               </a:ext>
             </a:extLst>
           </p:cNvPr>
@@ -43353,8 +43356,8 @@
         </p:blipFill>
         <p:spPr>
           <a:xfrm>
-            <a:off x="9982200" y="2477402"/>
-            <a:ext cx="2021306" cy="2021306"/>
+            <a:off x="5582170" y="3900344"/>
+            <a:ext cx="2153721" cy="2153721"/>
           </a:xfrm>
           <a:prstGeom prst="rect">
             <a:avLst/>
@@ -43363,10 +43366,10 @@
       </p:pic>
       <p:pic>
         <p:nvPicPr>
-          <p:cNvPr id="15" name="Image 14" descr="Une image contenant texte, Graphique, Police, capture d’écran&#10;&#10;Description générée automatiquement">
-            <a:extLst>
-              <a:ext uri="{FF2B5EF4-FFF2-40B4-BE49-F238E27FC236}">
-                <a16:creationId xmlns:a16="http://schemas.microsoft.com/office/drawing/2014/main" id="{6CAE0476-C4F2-BADE-0147-978F7CF76558}"/>
+          <p:cNvPr id="9" name="Image 8" descr="Une image contenant Police, logo, Graphique, symbole&#10;&#10;Description générée automatiquement">
+            <a:extLst>
+              <a:ext uri="{FF2B5EF4-FFF2-40B4-BE49-F238E27FC236}">
+                <a16:creationId xmlns:a16="http://schemas.microsoft.com/office/drawing/2014/main" id="{32164C2E-85F9-C791-ABCF-0C27F533FBD6}"/>
               </a:ext>
             </a:extLst>
           </p:cNvPr>
@@ -43389,8 +43392,8 @@
         </p:blipFill>
         <p:spPr>
           <a:xfrm>
-            <a:off x="6745835" y="3838345"/>
-            <a:ext cx="2153721" cy="2153721"/>
+            <a:off x="8610600" y="3702760"/>
+            <a:ext cx="2809875" cy="1628775"/>
           </a:xfrm>
           <a:prstGeom prst="rect">
             <a:avLst/>
